--- a/classify_walk.pptx
+++ b/classify_walk.pptx
@@ -106,6 +106,11 @@
       </a:defRPr>
     </a:lvl9pPr>
   </p:defaultTextStyle>
+  <p:extLst>
+    <p:ext uri="{EFAFB233-063F-42B5-8137-9DF3F51BA10A}">
+      <p15:sldGuideLst xmlns:p15="http://schemas.microsoft.com/office/powerpoint/2012/main"/>
+    </p:ext>
+  </p:extLst>
 </p:presentation>
 </file>
 
@@ -256,7 +261,7 @@
           <a:p>
             <a:fld id="{169C977C-3127-BE4A-8890-5702D5F3A8AF}" type="datetimeFigureOut">
               <a:rPr lang="en-US" smtClean="0"/>
-              <a:t>1/17/19</a:t>
+              <a:t>1/18/19</a:t>
             </a:fld>
             <a:endParaRPr lang="en-US"/>
           </a:p>
@@ -454,7 +459,7 @@
           <a:p>
             <a:fld id="{169C977C-3127-BE4A-8890-5702D5F3A8AF}" type="datetimeFigureOut">
               <a:rPr lang="en-US" smtClean="0"/>
-              <a:t>1/17/19</a:t>
+              <a:t>1/18/19</a:t>
             </a:fld>
             <a:endParaRPr lang="en-US"/>
           </a:p>
@@ -662,7 +667,7 @@
           <a:p>
             <a:fld id="{169C977C-3127-BE4A-8890-5702D5F3A8AF}" type="datetimeFigureOut">
               <a:rPr lang="en-US" smtClean="0"/>
-              <a:t>1/17/19</a:t>
+              <a:t>1/18/19</a:t>
             </a:fld>
             <a:endParaRPr lang="en-US"/>
           </a:p>
@@ -860,7 +865,7 @@
           <a:p>
             <a:fld id="{169C977C-3127-BE4A-8890-5702D5F3A8AF}" type="datetimeFigureOut">
               <a:rPr lang="en-US" smtClean="0"/>
-              <a:t>1/17/19</a:t>
+              <a:t>1/18/19</a:t>
             </a:fld>
             <a:endParaRPr lang="en-US"/>
           </a:p>
@@ -1135,7 +1140,7 @@
           <a:p>
             <a:fld id="{169C977C-3127-BE4A-8890-5702D5F3A8AF}" type="datetimeFigureOut">
               <a:rPr lang="en-US" smtClean="0"/>
-              <a:t>1/17/19</a:t>
+              <a:t>1/18/19</a:t>
             </a:fld>
             <a:endParaRPr lang="en-US"/>
           </a:p>
@@ -1400,7 +1405,7 @@
           <a:p>
             <a:fld id="{169C977C-3127-BE4A-8890-5702D5F3A8AF}" type="datetimeFigureOut">
               <a:rPr lang="en-US" smtClean="0"/>
-              <a:t>1/17/19</a:t>
+              <a:t>1/18/19</a:t>
             </a:fld>
             <a:endParaRPr lang="en-US"/>
           </a:p>
@@ -1812,7 +1817,7 @@
           <a:p>
             <a:fld id="{169C977C-3127-BE4A-8890-5702D5F3A8AF}" type="datetimeFigureOut">
               <a:rPr lang="en-US" smtClean="0"/>
-              <a:t>1/17/19</a:t>
+              <a:t>1/18/19</a:t>
             </a:fld>
             <a:endParaRPr lang="en-US"/>
           </a:p>
@@ -1953,7 +1958,7 @@
           <a:p>
             <a:fld id="{169C977C-3127-BE4A-8890-5702D5F3A8AF}" type="datetimeFigureOut">
               <a:rPr lang="en-US" smtClean="0"/>
-              <a:t>1/17/19</a:t>
+              <a:t>1/18/19</a:t>
             </a:fld>
             <a:endParaRPr lang="en-US"/>
           </a:p>
@@ -2066,7 +2071,7 @@
           <a:p>
             <a:fld id="{169C977C-3127-BE4A-8890-5702D5F3A8AF}" type="datetimeFigureOut">
               <a:rPr lang="en-US" smtClean="0"/>
-              <a:t>1/17/19</a:t>
+              <a:t>1/18/19</a:t>
             </a:fld>
             <a:endParaRPr lang="en-US"/>
           </a:p>
@@ -2377,7 +2382,7 @@
           <a:p>
             <a:fld id="{169C977C-3127-BE4A-8890-5702D5F3A8AF}" type="datetimeFigureOut">
               <a:rPr lang="en-US" smtClean="0"/>
-              <a:t>1/17/19</a:t>
+              <a:t>1/18/19</a:t>
             </a:fld>
             <a:endParaRPr lang="en-US"/>
           </a:p>
@@ -2665,7 +2670,7 @@
           <a:p>
             <a:fld id="{169C977C-3127-BE4A-8890-5702D5F3A8AF}" type="datetimeFigureOut">
               <a:rPr lang="en-US" smtClean="0"/>
-              <a:t>1/17/19</a:t>
+              <a:t>1/18/19</a:t>
             </a:fld>
             <a:endParaRPr lang="en-US"/>
           </a:p>
@@ -2906,7 +2911,7 @@
           <a:p>
             <a:fld id="{169C977C-3127-BE4A-8890-5702D5F3A8AF}" type="datetimeFigureOut">
               <a:rPr lang="en-US" smtClean="0"/>
-              <a:t>1/17/19</a:t>
+              <a:t>1/18/19</a:t>
             </a:fld>
             <a:endParaRPr lang="en-US"/>
           </a:p>
@@ -3353,8 +3358,8 @@
         </p:blipFill>
         <p:spPr>
           <a:xfrm>
-            <a:off x="3099320" y="142877"/>
-            <a:ext cx="5418827" cy="4064122"/>
+            <a:off x="3386587" y="142878"/>
+            <a:ext cx="5418827" cy="4064120"/>
           </a:xfrm>
           <a:prstGeom prst="rect">
             <a:avLst/>
@@ -3377,13 +3382,13 @@
         </p:nvPicPr>
         <p:blipFill rotWithShape="1">
           <a:blip r:embed="rId3"/>
-          <a:srcRect l="6770" r="5750"/>
+          <a:srcRect l="6654" r="6246"/>
           <a:stretch/>
         </p:blipFill>
         <p:spPr>
           <a:xfrm>
-            <a:off x="2921713" y="4382845"/>
-            <a:ext cx="5774042" cy="2475155"/>
+            <a:off x="3208252" y="4109387"/>
+            <a:ext cx="5775497" cy="2486575"/>
           </a:xfrm>
           <a:prstGeom prst="rect">
             <a:avLst/>
@@ -3485,8 +3490,8 @@
         </p:blipFill>
         <p:spPr>
           <a:xfrm>
-            <a:off x="3132991" y="119916"/>
-            <a:ext cx="5451557" cy="4088669"/>
+            <a:off x="3370222" y="119917"/>
+            <a:ext cx="5451557" cy="4088667"/>
           </a:xfrm>
           <a:prstGeom prst="rect">
             <a:avLst/>
@@ -3509,13 +3514,13 @@
         </p:nvPicPr>
         <p:blipFill rotWithShape="1">
           <a:blip r:embed="rId3"/>
-          <a:srcRect l="7151" r="5785"/>
+          <a:srcRect l="7816" r="6527"/>
           <a:stretch/>
         </p:blipFill>
         <p:spPr>
           <a:xfrm>
-            <a:off x="2916278" y="4208585"/>
-            <a:ext cx="5884984" cy="2534748"/>
+            <a:off x="3227637" y="4208585"/>
+            <a:ext cx="5736726" cy="2511485"/>
           </a:xfrm>
           <a:prstGeom prst="rect">
             <a:avLst/>
@@ -3617,8 +3622,8 @@
         </p:blipFill>
         <p:spPr>
           <a:xfrm>
-            <a:off x="3245257" y="187569"/>
-            <a:ext cx="5457253" cy="4092941"/>
+            <a:off x="3367373" y="187570"/>
+            <a:ext cx="5457253" cy="4092939"/>
           </a:xfrm>
           <a:prstGeom prst="rect">
             <a:avLst/>
@@ -3641,13 +3646,13 @@
         </p:nvPicPr>
         <p:blipFill rotWithShape="1">
           <a:blip r:embed="rId3"/>
-          <a:srcRect l="7151" r="6006"/>
+          <a:srcRect l="6746" r="6369"/>
           <a:stretch/>
         </p:blipFill>
         <p:spPr>
           <a:xfrm>
-            <a:off x="3120200" y="4393482"/>
-            <a:ext cx="5707368" cy="2464518"/>
+            <a:off x="3216000" y="4280510"/>
+            <a:ext cx="5760000" cy="2486036"/>
           </a:xfrm>
           <a:prstGeom prst="rect">
             <a:avLst/>
